--- a/파이썬기초(PPT)/파이썬 기초 6강_리스트.pptx
+++ b/파이썬기초(PPT)/파이썬 기초 6강_리스트.pptx
@@ -321,7 +321,7 @@
           <a:p>
             <a:fld id="{FB30EDBD-1C2D-4C1E-B459-B60219FAB484}" type="datetimeFigureOut">
               <a:rPr lang="ko-KR" altLang="en-US" smtClean="0"/>
-              <a:t>2020-11-20</a:t>
+              <a:t>2020-11-29</a:t>
             </a:fld>
             <a:endParaRPr lang="ko-KR" altLang="en-US"/>
           </a:p>
@@ -484,7 +484,7 @@
           <a:p>
             <a:fld id="{FB30EDBD-1C2D-4C1E-B459-B60219FAB484}" type="datetimeFigureOut">
               <a:rPr lang="ko-KR" altLang="en-US" smtClean="0"/>
-              <a:t>2020-11-20</a:t>
+              <a:t>2020-11-29</a:t>
             </a:fld>
             <a:endParaRPr lang="ko-KR" altLang="en-US"/>
           </a:p>
@@ -657,7 +657,7 @@
           <a:p>
             <a:fld id="{FB30EDBD-1C2D-4C1E-B459-B60219FAB484}" type="datetimeFigureOut">
               <a:rPr lang="ko-KR" altLang="en-US" smtClean="0"/>
-              <a:t>2020-11-20</a:t>
+              <a:t>2020-11-29</a:t>
             </a:fld>
             <a:endParaRPr lang="ko-KR" altLang="en-US"/>
           </a:p>
@@ -820,7 +820,7 @@
           <a:p>
             <a:fld id="{FB30EDBD-1C2D-4C1E-B459-B60219FAB484}" type="datetimeFigureOut">
               <a:rPr lang="ko-KR" altLang="en-US" smtClean="0"/>
-              <a:t>2020-11-20</a:t>
+              <a:t>2020-11-29</a:t>
             </a:fld>
             <a:endParaRPr lang="ko-KR" altLang="en-US"/>
           </a:p>
@@ -1060,7 +1060,7 @@
           <a:p>
             <a:fld id="{FB30EDBD-1C2D-4C1E-B459-B60219FAB484}" type="datetimeFigureOut">
               <a:rPr lang="ko-KR" altLang="en-US" smtClean="0"/>
-              <a:t>2020-11-20</a:t>
+              <a:t>2020-11-29</a:t>
             </a:fld>
             <a:endParaRPr lang="ko-KR" altLang="en-US"/>
           </a:p>
@@ -1340,7 +1340,7 @@
           <a:p>
             <a:fld id="{FB30EDBD-1C2D-4C1E-B459-B60219FAB484}" type="datetimeFigureOut">
               <a:rPr lang="ko-KR" altLang="en-US" smtClean="0"/>
-              <a:t>2020-11-20</a:t>
+              <a:t>2020-11-29</a:t>
             </a:fld>
             <a:endParaRPr lang="ko-KR" altLang="en-US"/>
           </a:p>
@@ -1754,7 +1754,7 @@
           <a:p>
             <a:fld id="{FB30EDBD-1C2D-4C1E-B459-B60219FAB484}" type="datetimeFigureOut">
               <a:rPr lang="ko-KR" altLang="en-US" smtClean="0"/>
-              <a:t>2020-11-20</a:t>
+              <a:t>2020-11-29</a:t>
             </a:fld>
             <a:endParaRPr lang="ko-KR" altLang="en-US"/>
           </a:p>
@@ -1866,7 +1866,7 @@
           <a:p>
             <a:fld id="{FB30EDBD-1C2D-4C1E-B459-B60219FAB484}" type="datetimeFigureOut">
               <a:rPr lang="ko-KR" altLang="en-US" smtClean="0"/>
-              <a:t>2020-11-20</a:t>
+              <a:t>2020-11-29</a:t>
             </a:fld>
             <a:endParaRPr lang="ko-KR" altLang="en-US"/>
           </a:p>
@@ -1956,7 +1956,7 @@
           <a:p>
             <a:fld id="{FB30EDBD-1C2D-4C1E-B459-B60219FAB484}" type="datetimeFigureOut">
               <a:rPr lang="ko-KR" altLang="en-US" smtClean="0"/>
-              <a:t>2020-11-20</a:t>
+              <a:t>2020-11-29</a:t>
             </a:fld>
             <a:endParaRPr lang="ko-KR" altLang="en-US"/>
           </a:p>
@@ -2226,7 +2226,7 @@
           <a:p>
             <a:fld id="{FB30EDBD-1C2D-4C1E-B459-B60219FAB484}" type="datetimeFigureOut">
               <a:rPr lang="ko-KR" altLang="en-US" smtClean="0"/>
-              <a:t>2020-11-20</a:t>
+              <a:t>2020-11-29</a:t>
             </a:fld>
             <a:endParaRPr lang="ko-KR" altLang="en-US"/>
           </a:p>
@@ -2473,7 +2473,7 @@
           <a:p>
             <a:fld id="{FB30EDBD-1C2D-4C1E-B459-B60219FAB484}" type="datetimeFigureOut">
               <a:rPr lang="ko-KR" altLang="en-US" smtClean="0"/>
-              <a:t>2020-11-20</a:t>
+              <a:t>2020-11-29</a:t>
             </a:fld>
             <a:endParaRPr lang="ko-KR" altLang="en-US"/>
           </a:p>
@@ -2679,7 +2679,7 @@
           <a:p>
             <a:fld id="{FB30EDBD-1C2D-4C1E-B459-B60219FAB484}" type="datetimeFigureOut">
               <a:rPr lang="ko-KR" altLang="en-US" smtClean="0"/>
-              <a:t>2020-11-20</a:t>
+              <a:t>2020-11-29</a:t>
             </a:fld>
             <a:endParaRPr lang="ko-KR" altLang="en-US"/>
           </a:p>
@@ -3130,40 +3130,20 @@
                 <a:latin typeface="배달의민족 주아" pitchFamily="18" charset="-127"/>
                 <a:ea typeface="배달의민족 주아" pitchFamily="18" charset="-127"/>
               </a:rPr>
-              <a:t> </a:t>
-            </a:r>
-            <a:r>
-              <a:rPr lang="ko-KR" altLang="en-US" dirty="0" err="1">
+              <a:t> 파이썬 입문 </a:t>
+            </a:r>
+            <a:r>
+              <a:rPr lang="en-US" altLang="ko-KR" dirty="0">
                 <a:solidFill>
                   <a:schemeClr val="bg1"/>
                 </a:solidFill>
                 <a:latin typeface="배달의민족 주아" pitchFamily="18" charset="-127"/>
                 <a:ea typeface="배달의민족 주아" pitchFamily="18" charset="-127"/>
               </a:rPr>
-              <a:t>파이썬</a:t>
-            </a:r>
-            <a:r>
-              <a:rPr lang="ko-KR" altLang="en-US" dirty="0">
-                <a:solidFill>
-                  <a:schemeClr val="bg1"/>
-                </a:solidFill>
-                <a:latin typeface="배달의민족 주아" pitchFamily="18" charset="-127"/>
-                <a:ea typeface="배달의민족 주아" pitchFamily="18" charset="-127"/>
-              </a:rPr>
-              <a:t> 입문 </a:t>
-            </a:r>
-            <a:r>
-              <a:rPr lang="en-US" altLang="ko-KR" dirty="0">
-                <a:solidFill>
-                  <a:schemeClr val="bg1"/>
-                </a:solidFill>
-                <a:latin typeface="배달의민족 주아" pitchFamily="18" charset="-127"/>
-                <a:ea typeface="배달의민족 주아" pitchFamily="18" charset="-127"/>
-              </a:rPr>
-              <a:t>4</a:t>
-            </a:r>
-            <a:r>
-              <a:rPr lang="ko-KR" altLang="en-US" dirty="0">
+              <a:t>5</a:t>
+            </a:r>
+            <a:r>
+              <a:rPr lang="ko-KR" altLang="en-US">
                 <a:solidFill>
                   <a:schemeClr val="bg1"/>
                 </a:solidFill>

--- a/파이썬기초(PPT)/파이썬 기초 6강_리스트.pptx
+++ b/파이썬기초(PPT)/파이썬 기초 6강_리스트.pptx
@@ -321,7 +321,7 @@
           <a:p>
             <a:fld id="{FB30EDBD-1C2D-4C1E-B459-B60219FAB484}" type="datetimeFigureOut">
               <a:rPr lang="ko-KR" altLang="en-US" smtClean="0"/>
-              <a:t>2020-11-29</a:t>
+              <a:t>2020-12-09</a:t>
             </a:fld>
             <a:endParaRPr lang="ko-KR" altLang="en-US"/>
           </a:p>
@@ -484,7 +484,7 @@
           <a:p>
             <a:fld id="{FB30EDBD-1C2D-4C1E-B459-B60219FAB484}" type="datetimeFigureOut">
               <a:rPr lang="ko-KR" altLang="en-US" smtClean="0"/>
-              <a:t>2020-11-29</a:t>
+              <a:t>2020-12-09</a:t>
             </a:fld>
             <a:endParaRPr lang="ko-KR" altLang="en-US"/>
           </a:p>
@@ -657,7 +657,7 @@
           <a:p>
             <a:fld id="{FB30EDBD-1C2D-4C1E-B459-B60219FAB484}" type="datetimeFigureOut">
               <a:rPr lang="ko-KR" altLang="en-US" smtClean="0"/>
-              <a:t>2020-11-29</a:t>
+              <a:t>2020-12-09</a:t>
             </a:fld>
             <a:endParaRPr lang="ko-KR" altLang="en-US"/>
           </a:p>
@@ -820,7 +820,7 @@
           <a:p>
             <a:fld id="{FB30EDBD-1C2D-4C1E-B459-B60219FAB484}" type="datetimeFigureOut">
               <a:rPr lang="ko-KR" altLang="en-US" smtClean="0"/>
-              <a:t>2020-11-29</a:t>
+              <a:t>2020-12-09</a:t>
             </a:fld>
             <a:endParaRPr lang="ko-KR" altLang="en-US"/>
           </a:p>
@@ -1060,7 +1060,7 @@
           <a:p>
             <a:fld id="{FB30EDBD-1C2D-4C1E-B459-B60219FAB484}" type="datetimeFigureOut">
               <a:rPr lang="ko-KR" altLang="en-US" smtClean="0"/>
-              <a:t>2020-11-29</a:t>
+              <a:t>2020-12-09</a:t>
             </a:fld>
             <a:endParaRPr lang="ko-KR" altLang="en-US"/>
           </a:p>
@@ -1340,7 +1340,7 @@
           <a:p>
             <a:fld id="{FB30EDBD-1C2D-4C1E-B459-B60219FAB484}" type="datetimeFigureOut">
               <a:rPr lang="ko-KR" altLang="en-US" smtClean="0"/>
-              <a:t>2020-11-29</a:t>
+              <a:t>2020-12-09</a:t>
             </a:fld>
             <a:endParaRPr lang="ko-KR" altLang="en-US"/>
           </a:p>
@@ -1754,7 +1754,7 @@
           <a:p>
             <a:fld id="{FB30EDBD-1C2D-4C1E-B459-B60219FAB484}" type="datetimeFigureOut">
               <a:rPr lang="ko-KR" altLang="en-US" smtClean="0"/>
-              <a:t>2020-11-29</a:t>
+              <a:t>2020-12-09</a:t>
             </a:fld>
             <a:endParaRPr lang="ko-KR" altLang="en-US"/>
           </a:p>
@@ -1866,7 +1866,7 @@
           <a:p>
             <a:fld id="{FB30EDBD-1C2D-4C1E-B459-B60219FAB484}" type="datetimeFigureOut">
               <a:rPr lang="ko-KR" altLang="en-US" smtClean="0"/>
-              <a:t>2020-11-29</a:t>
+              <a:t>2020-12-09</a:t>
             </a:fld>
             <a:endParaRPr lang="ko-KR" altLang="en-US"/>
           </a:p>
@@ -1956,7 +1956,7 @@
           <a:p>
             <a:fld id="{FB30EDBD-1C2D-4C1E-B459-B60219FAB484}" type="datetimeFigureOut">
               <a:rPr lang="ko-KR" altLang="en-US" smtClean="0"/>
-              <a:t>2020-11-29</a:t>
+              <a:t>2020-12-09</a:t>
             </a:fld>
             <a:endParaRPr lang="ko-KR" altLang="en-US"/>
           </a:p>
@@ -2226,7 +2226,7 @@
           <a:p>
             <a:fld id="{FB30EDBD-1C2D-4C1E-B459-B60219FAB484}" type="datetimeFigureOut">
               <a:rPr lang="ko-KR" altLang="en-US" smtClean="0"/>
-              <a:t>2020-11-29</a:t>
+              <a:t>2020-12-09</a:t>
             </a:fld>
             <a:endParaRPr lang="ko-KR" altLang="en-US"/>
           </a:p>
@@ -2473,7 +2473,7 @@
           <a:p>
             <a:fld id="{FB30EDBD-1C2D-4C1E-B459-B60219FAB484}" type="datetimeFigureOut">
               <a:rPr lang="ko-KR" altLang="en-US" smtClean="0"/>
-              <a:t>2020-11-29</a:t>
+              <a:t>2020-12-09</a:t>
             </a:fld>
             <a:endParaRPr lang="ko-KR" altLang="en-US"/>
           </a:p>
@@ -2679,7 +2679,7 @@
           <a:p>
             <a:fld id="{FB30EDBD-1C2D-4C1E-B459-B60219FAB484}" type="datetimeFigureOut">
               <a:rPr lang="ko-KR" altLang="en-US" smtClean="0"/>
-              <a:t>2020-11-29</a:t>
+              <a:t>2020-12-09</a:t>
             </a:fld>
             <a:endParaRPr lang="ko-KR" altLang="en-US"/>
           </a:p>
@@ -3103,24 +3103,24 @@
               </a:rPr>
             </a:br>
             <a:r>
-              <a:rPr lang="en-US" altLang="ko-KR" dirty="0">
+              <a:rPr lang="ko-KR" altLang="en-US" dirty="0">
                 <a:solidFill>
                   <a:schemeClr val="bg1"/>
                 </a:solidFill>
                 <a:latin typeface="배달의민족 주아" pitchFamily="18" charset="-127"/>
                 <a:ea typeface="배달의민족 주아" pitchFamily="18" charset="-127"/>
               </a:rPr>
-              <a:t>     </a:t>
-            </a:r>
-            <a:r>
-              <a:rPr lang="ko-KR" altLang="en-US" dirty="0" err="1">
+              <a:t>핵심만 쏘</a:t>
+            </a:r>
+            <a:r>
+              <a:rPr lang="en-US" altLang="ko-KR" dirty="0">
                 <a:solidFill>
                   <a:schemeClr val="bg1"/>
                 </a:solidFill>
                 <a:latin typeface="배달의민족 주아" pitchFamily="18" charset="-127"/>
                 <a:ea typeface="배달의민족 주아" pitchFamily="18" charset="-127"/>
               </a:rPr>
-              <a:t>스타트코딩</a:t>
+              <a:t>~</a:t>
             </a:r>
             <a:r>
               <a:rPr lang="ko-KR" altLang="en-US" dirty="0">
@@ -3130,9 +3130,9 @@
                 <a:latin typeface="배달의민족 주아" pitchFamily="18" charset="-127"/>
                 <a:ea typeface="배달의민족 주아" pitchFamily="18" charset="-127"/>
               </a:rPr>
-              <a:t> 파이썬 입문 </a:t>
-            </a:r>
-            <a:r>
+              <a:t>옥</a:t>
+            </a:r>
+            <a:br>
               <a:rPr lang="en-US" altLang="ko-KR" dirty="0">
                 <a:solidFill>
                   <a:schemeClr val="bg1"/>
@@ -3140,7 +3140,26 @@
                 <a:latin typeface="배달의민족 주아" pitchFamily="18" charset="-127"/>
                 <a:ea typeface="배달의민족 주아" pitchFamily="18" charset="-127"/>
               </a:rPr>
-              <a:t>5</a:t>
+            </a:br>
+            <a:r>
+              <a:rPr lang="ko-KR" altLang="en-US" dirty="0">
+                <a:solidFill>
+                  <a:schemeClr val="bg1"/>
+                </a:solidFill>
+                <a:latin typeface="배달의민족 주아" pitchFamily="18" charset="-127"/>
+                <a:ea typeface="배달의민족 주아" pitchFamily="18" charset="-127"/>
+              </a:rPr>
+              <a:t>파이썬 입문 </a:t>
+            </a:r>
+            <a:r>
+              <a:rPr lang="en-US" altLang="ko-KR" dirty="0">
+                <a:solidFill>
+                  <a:schemeClr val="bg1"/>
+                </a:solidFill>
+                <a:latin typeface="배달의민족 주아" pitchFamily="18" charset="-127"/>
+                <a:ea typeface="배달의민족 주아" pitchFamily="18" charset="-127"/>
+              </a:rPr>
+              <a:t>6</a:t>
             </a:r>
             <a:r>
               <a:rPr lang="ko-KR" altLang="en-US">
@@ -3197,7 +3216,7 @@
         </p:blipFill>
         <p:spPr bwMode="auto">
           <a:xfrm>
-            <a:off x="1403648" y="2564904"/>
+            <a:off x="2267744" y="2276872"/>
             <a:ext cx="864096" cy="864096"/>
           </a:xfrm>
           <a:prstGeom prst="rect">
